--- a/Documentação/SlidesApresentação.pptx
+++ b/Documentação/SlidesApresentação.pptx
@@ -14,6 +14,7 @@
     <p:sldId id="263" r:id="rId8"/>
     <p:sldId id="264" r:id="rId9"/>
     <p:sldId id="260" r:id="rId10"/>
+    <p:sldId id="265" r:id="rId11"/>
   </p:sldIdLst>
   <p:sldSz cx="9144000" cy="6858000" type="screen4x3"/>
   <p:notesSz cx="6858000" cy="9144000"/>
@@ -284,7 +285,7 @@
             <a:fld id="{2E700DB3-DBF0-4086-B675-117E7A9610B8}" type="datetimeFigureOut">
               <a:rPr lang="pt-BR" smtClean="0"/>
               <a:pPr/>
-              <a:t>04/12/2019</a:t>
+              <a:t>06/12/2019</a:t>
             </a:fld>
             <a:endParaRPr lang="pt-BR"/>
           </a:p>
@@ -451,7 +452,7 @@
             <a:fld id="{2E700DB3-DBF0-4086-B675-117E7A9610B8}" type="datetimeFigureOut">
               <a:rPr lang="pt-BR" smtClean="0"/>
               <a:pPr/>
-              <a:t>04/12/2019</a:t>
+              <a:t>06/12/2019</a:t>
             </a:fld>
             <a:endParaRPr lang="pt-BR"/>
           </a:p>
@@ -628,7 +629,7 @@
             <a:fld id="{2E700DB3-DBF0-4086-B675-117E7A9610B8}" type="datetimeFigureOut">
               <a:rPr lang="pt-BR" smtClean="0"/>
               <a:pPr/>
-              <a:t>04/12/2019</a:t>
+              <a:t>06/12/2019</a:t>
             </a:fld>
             <a:endParaRPr lang="pt-BR"/>
           </a:p>
@@ -795,7 +796,7 @@
             <a:fld id="{2E700DB3-DBF0-4086-B675-117E7A9610B8}" type="datetimeFigureOut">
               <a:rPr lang="pt-BR" smtClean="0"/>
               <a:pPr/>
-              <a:t>04/12/2019</a:t>
+              <a:t>06/12/2019</a:t>
             </a:fld>
             <a:endParaRPr lang="pt-BR"/>
           </a:p>
@@ -1034,7 +1035,7 @@
             <a:fld id="{2E700DB3-DBF0-4086-B675-117E7A9610B8}" type="datetimeFigureOut">
               <a:rPr lang="pt-BR" smtClean="0"/>
               <a:pPr/>
-              <a:t>04/12/2019</a:t>
+              <a:t>06/12/2019</a:t>
             </a:fld>
             <a:endParaRPr lang="pt-BR"/>
           </a:p>
@@ -1300,7 +1301,7 @@
             <a:fld id="{2E700DB3-DBF0-4086-B675-117E7A9610B8}" type="datetimeFigureOut">
               <a:rPr lang="pt-BR" smtClean="0"/>
               <a:pPr/>
-              <a:t>04/12/2019</a:t>
+              <a:t>06/12/2019</a:t>
             </a:fld>
             <a:endParaRPr lang="pt-BR"/>
           </a:p>
@@ -1680,7 +1681,7 @@
             <a:fld id="{2E700DB3-DBF0-4086-B675-117E7A9610B8}" type="datetimeFigureOut">
               <a:rPr lang="pt-BR" smtClean="0"/>
               <a:pPr/>
-              <a:t>04/12/2019</a:t>
+              <a:t>06/12/2019</a:t>
             </a:fld>
             <a:endParaRPr lang="pt-BR"/>
           </a:p>
@@ -1832,7 +1833,7 @@
             <a:fld id="{2E700DB3-DBF0-4086-B675-117E7A9610B8}" type="datetimeFigureOut">
               <a:rPr lang="pt-BR" smtClean="0"/>
               <a:pPr/>
-              <a:t>04/12/2019</a:t>
+              <a:t>06/12/2019</a:t>
             </a:fld>
             <a:endParaRPr lang="pt-BR"/>
           </a:p>
@@ -1924,7 +1925,7 @@
             <a:fld id="{2E700DB3-DBF0-4086-B675-117E7A9610B8}" type="datetimeFigureOut">
               <a:rPr lang="pt-BR" smtClean="0"/>
               <a:pPr/>
-              <a:t>04/12/2019</a:t>
+              <a:t>06/12/2019</a:t>
             </a:fld>
             <a:endParaRPr lang="pt-BR"/>
           </a:p>
@@ -2187,7 +2188,7 @@
             <a:fld id="{2E700DB3-DBF0-4086-B675-117E7A9610B8}" type="datetimeFigureOut">
               <a:rPr lang="pt-BR" smtClean="0"/>
               <a:pPr/>
-              <a:t>04/12/2019</a:t>
+              <a:t>06/12/2019</a:t>
             </a:fld>
             <a:endParaRPr lang="pt-BR"/>
           </a:p>
@@ -2477,7 +2478,7 @@
             <a:fld id="{2E700DB3-DBF0-4086-B675-117E7A9610B8}" type="datetimeFigureOut">
               <a:rPr lang="pt-BR" smtClean="0"/>
               <a:pPr/>
-              <a:t>04/12/2019</a:t>
+              <a:t>06/12/2019</a:t>
             </a:fld>
             <a:endParaRPr lang="pt-BR"/>
           </a:p>
@@ -3256,7 +3257,7 @@
             <a:fld id="{2E700DB3-DBF0-4086-B675-117E7A9610B8}" type="datetimeFigureOut">
               <a:rPr lang="pt-BR" smtClean="0"/>
               <a:pPr/>
-              <a:t>04/12/2019</a:t>
+              <a:t>06/12/2019</a:t>
             </a:fld>
             <a:endParaRPr lang="pt-BR"/>
           </a:p>
@@ -3887,8 +3888,8 @@
         </p:nvSpPr>
         <p:spPr>
           <a:xfrm>
-            <a:off x="0" y="642918"/>
-            <a:ext cx="8929718" cy="2928958"/>
+            <a:off x="0" y="1643050"/>
+            <a:ext cx="9144000" cy="2928958"/>
           </a:xfrm>
         </p:spPr>
         <p:txBody>
@@ -3916,31 +3917,144 @@
           </a:p>
         </p:txBody>
       </p:sp>
-      <p:sp>
-        <p:nvSpPr>
-          <p:cNvPr id="3" name="Subtítulo 2"/>
-          <p:cNvSpPr>
-            <a:spLocks noGrp="1"/>
-          </p:cNvSpPr>
-          <p:nvPr>
-            <p:ph type="subTitle" idx="1"/>
-          </p:nvPr>
-        </p:nvSpPr>
+      <p:pic>
+        <p:nvPicPr>
+          <p:cNvPr id="4" name="Espaço Reservado para Conteúdo 3" descr="unip.png"/>
+          <p:cNvPicPr>
+            <a:picLocks noChangeAspect="1"/>
+          </p:cNvPicPr>
+          <p:nvPr/>
+        </p:nvPicPr>
+        <p:blipFill>
+          <a:blip r:embed="rId2" cstate="print"/>
+          <a:stretch>
+            <a:fillRect/>
+          </a:stretch>
+        </p:blipFill>
         <p:spPr>
           <a:xfrm>
-            <a:off x="0" y="3786190"/>
-            <a:ext cx="9144000" cy="2500330"/>
-          </a:xfrm>
+            <a:off x="0" y="6109556"/>
+            <a:ext cx="2357304" cy="748444"/>
+          </a:xfrm>
+          <a:prstGeom prst="rect">
+            <a:avLst/>
+          </a:prstGeom>
         </p:spPr>
-        <p:txBody>
-          <a:bodyPr>
-            <a:normAutofit/>
+      </p:pic>
+    </p:spTree>
+  </p:cSld>
+  <p:clrMapOvr>
+    <a:masterClrMapping/>
+  </p:clrMapOvr>
+  <p:transition advTm="672">
+    <p:zoom dir="in"/>
+  </p:transition>
+  <p:timing>
+    <p:tnLst>
+      <p:par>
+        <p:cTn id="1" dur="indefinite" restart="never" nodeType="tmRoot"/>
+      </p:par>
+    </p:tnLst>
+  </p:timing>
+</p:sld>
+</file>
+
+<file path=ppt/slides/slide10.xml><?xml version="1.0" encoding="utf-8"?>
+<p:sld xmlns:a="http://schemas.openxmlformats.org/drawingml/2006/main" xmlns:r="http://schemas.openxmlformats.org/officeDocument/2006/relationships" xmlns:p="http://schemas.openxmlformats.org/presentationml/2006/main">
+  <p:cSld>
+    <p:spTree>
+      <p:nvGrpSpPr>
+        <p:cNvPr id="1" name=""/>
+        <p:cNvGrpSpPr/>
+        <p:nvPr/>
+      </p:nvGrpSpPr>
+      <p:grpSpPr>
+        <a:xfrm>
+          <a:off x="0" y="0"/>
+          <a:ext cx="0" cy="0"/>
+          <a:chOff x="0" y="0"/>
+          <a:chExt cx="0" cy="0"/>
+        </a:xfrm>
+      </p:grpSpPr>
+      <p:sp>
+        <p:nvSpPr>
+          <p:cNvPr id="4" name="Título 3"/>
+          <p:cNvSpPr>
+            <a:spLocks noGrp="1"/>
+          </p:cNvSpPr>
+          <p:nvPr>
+            <p:ph type="title"/>
+          </p:nvPr>
+        </p:nvSpPr>
+        <p:spPr/>
+        <p:txBody>
+          <a:bodyPr/>
+          <a:lstStyle/>
+          <a:p>
+            <a:r>
+              <a:rPr lang="pt-BR" b="1" dirty="0" smtClean="0">
+                <a:solidFill>
+                  <a:schemeClr val="tx1"/>
+                </a:solidFill>
+              </a:rPr>
+              <a:t> </a:t>
+            </a:r>
+            <a:endParaRPr lang="pt-BR" b="1" dirty="0">
+              <a:solidFill>
+                <a:schemeClr val="tx1"/>
+              </a:solidFill>
+            </a:endParaRPr>
+          </a:p>
+        </p:txBody>
+      </p:sp>
+      <p:pic>
+        <p:nvPicPr>
+          <p:cNvPr id="12" name="Espaço Reservado para Conteúdo 3" descr="unip.png"/>
+          <p:cNvPicPr>
+            <a:picLocks noChangeAspect="1"/>
+          </p:cNvPicPr>
+          <p:nvPr/>
+        </p:nvPicPr>
+        <p:blipFill>
+          <a:blip r:embed="rId2" cstate="print"/>
+          <a:stretch>
+            <a:fillRect/>
+          </a:stretch>
+        </p:blipFill>
+        <p:spPr>
+          <a:xfrm>
+            <a:off x="0" y="6109556"/>
+            <a:ext cx="2357304" cy="748444"/>
+          </a:xfrm>
+          <a:prstGeom prst="rect">
+            <a:avLst/>
+          </a:prstGeom>
+        </p:spPr>
+      </p:pic>
+      <p:sp>
+        <p:nvSpPr>
+          <p:cNvPr id="5" name="Retângulo 4"/>
+          <p:cNvSpPr/>
+          <p:nvPr/>
+        </p:nvSpPr>
+        <p:spPr>
+          <a:xfrm>
+            <a:off x="0" y="642918"/>
+            <a:ext cx="9144000" cy="4893647"/>
+          </a:xfrm>
+          <a:prstGeom prst="rect">
+            <a:avLst/>
+          </a:prstGeom>
+        </p:spPr>
+        <p:txBody>
+          <a:bodyPr wrap="square">
+            <a:spAutoFit/>
           </a:bodyPr>
           <a:lstStyle/>
           <a:p>
             <a:pPr algn="ctr"/>
             <a:r>
-              <a:rPr lang="pt-BR" b="1" dirty="0" smtClean="0">
+              <a:rPr lang="pt-BR" sz="2400" b="1" dirty="0" smtClean="0">
                 <a:ln w="19050">
                   <a:solidFill>
                     <a:schemeClr val="bg1"/>
@@ -3958,13 +4072,34 @@
                 <a:latin typeface="Arial" pitchFamily="34" charset="0"/>
                 <a:cs typeface="Arial" pitchFamily="34" charset="0"/>
               </a:rPr>
-              <a:t>Lucas Evangelista da Silva</a:t>
+              <a:t>Desenvolvedores:</a:t>
             </a:r>
           </a:p>
           <a:p>
             <a:pPr algn="ctr"/>
-            <a:r>
-              <a:rPr lang="pt-BR" b="1" dirty="0" smtClean="0">
+            <a:endParaRPr lang="pt-BR" sz="2400" b="1" dirty="0" smtClean="0">
+              <a:ln w="19050">
+                <a:solidFill>
+                  <a:schemeClr val="bg1"/>
+                </a:solidFill>
+                <a:prstDash val="solid"/>
+              </a:ln>
+              <a:effectLst>
+                <a:outerShdw blurRad="50000" dist="50800" dir="7500000" algn="tl">
+                  <a:srgbClr val="000000">
+                    <a:shade val="5000"/>
+                    <a:alpha val="35000"/>
+                  </a:srgbClr>
+                </a:outerShdw>
+              </a:effectLst>
+              <a:latin typeface="Arial" pitchFamily="34" charset="0"/>
+              <a:cs typeface="Arial" pitchFamily="34" charset="0"/>
+            </a:endParaRPr>
+          </a:p>
+          <a:p>
+            <a:pPr algn="ctr"/>
+            <a:r>
+              <a:rPr lang="pt-BR" sz="2400" b="1" dirty="0" smtClean="0">
                 <a:ln w="19050">
                   <a:solidFill>
                     <a:schemeClr val="bg1"/>
@@ -3982,13 +4117,13 @@
                 <a:latin typeface="Arial" pitchFamily="34" charset="0"/>
                 <a:cs typeface="Arial" pitchFamily="34" charset="0"/>
               </a:rPr>
-              <a:t>Nelson José Barnabé Junior</a:t>
+              <a:t>Líder e Programador:</a:t>
             </a:r>
           </a:p>
           <a:p>
             <a:pPr algn="ctr"/>
             <a:r>
-              <a:rPr lang="pt-BR" b="1" dirty="0" smtClean="0">
+              <a:rPr lang="pt-BR" sz="2400" b="1" dirty="0" smtClean="0">
                 <a:ln w="19050">
                   <a:solidFill>
                     <a:schemeClr val="bg1"/>
@@ -4006,13 +4141,334 @@
                 <a:latin typeface="Arial" pitchFamily="34" charset="0"/>
                 <a:cs typeface="Arial" pitchFamily="34" charset="0"/>
               </a:rPr>
-              <a:t>Nilton Augusto Muniz Junior</a:t>
+              <a:t>Lucas </a:t>
+            </a:r>
+            <a:r>
+              <a:rPr lang="pt-BR" sz="2400" b="1" dirty="0" smtClean="0">
+                <a:ln w="19050">
+                  <a:solidFill>
+                    <a:schemeClr val="bg1"/>
+                  </a:solidFill>
+                  <a:prstDash val="solid"/>
+                </a:ln>
+                <a:effectLst>
+                  <a:outerShdw blurRad="50000" dist="50800" dir="7500000" algn="tl">
+                    <a:srgbClr val="000000">
+                      <a:shade val="5000"/>
+                      <a:alpha val="35000"/>
+                    </a:srgbClr>
+                  </a:outerShdw>
+                </a:effectLst>
+                <a:latin typeface="Arial" pitchFamily="34" charset="0"/>
+                <a:cs typeface="Arial" pitchFamily="34" charset="0"/>
+              </a:rPr>
+              <a:t>Evangelista da </a:t>
+            </a:r>
+            <a:r>
+              <a:rPr lang="pt-BR" sz="2400" b="1" dirty="0" smtClean="0">
+                <a:ln w="19050">
+                  <a:solidFill>
+                    <a:schemeClr val="bg1"/>
+                  </a:solidFill>
+                  <a:prstDash val="solid"/>
+                </a:ln>
+                <a:effectLst>
+                  <a:outerShdw blurRad="50000" dist="50800" dir="7500000" algn="tl">
+                    <a:srgbClr val="000000">
+                      <a:shade val="5000"/>
+                      <a:alpha val="35000"/>
+                    </a:srgbClr>
+                  </a:outerShdw>
+                </a:effectLst>
+                <a:latin typeface="Arial" pitchFamily="34" charset="0"/>
+                <a:cs typeface="Arial" pitchFamily="34" charset="0"/>
+              </a:rPr>
+              <a:t>Silva</a:t>
             </a:r>
           </a:p>
           <a:p>
             <a:pPr algn="ctr"/>
-            <a:r>
-              <a:rPr lang="pt-BR" b="1" dirty="0" smtClean="0">
+            <a:endParaRPr lang="pt-BR" sz="2400" b="1" dirty="0" smtClean="0">
+              <a:ln w="19050">
+                <a:solidFill>
+                  <a:schemeClr val="bg1"/>
+                </a:solidFill>
+                <a:prstDash val="solid"/>
+              </a:ln>
+              <a:effectLst>
+                <a:outerShdw blurRad="50000" dist="50800" dir="7500000" algn="tl">
+                  <a:srgbClr val="000000">
+                    <a:shade val="5000"/>
+                    <a:alpha val="35000"/>
+                  </a:srgbClr>
+                </a:outerShdw>
+              </a:effectLst>
+              <a:latin typeface="Arial" pitchFamily="34" charset="0"/>
+              <a:cs typeface="Arial" pitchFamily="34" charset="0"/>
+            </a:endParaRPr>
+          </a:p>
+          <a:p>
+            <a:pPr algn="ctr"/>
+            <a:r>
+              <a:rPr lang="pt-BR" sz="2400" b="1" dirty="0" smtClean="0">
+                <a:ln w="19050">
+                  <a:solidFill>
+                    <a:schemeClr val="bg1"/>
+                  </a:solidFill>
+                  <a:prstDash val="solid"/>
+                </a:ln>
+                <a:effectLst>
+                  <a:outerShdw blurRad="50000" dist="50800" dir="7500000" algn="tl">
+                    <a:srgbClr val="000000">
+                      <a:shade val="5000"/>
+                      <a:alpha val="35000"/>
+                    </a:srgbClr>
+                  </a:outerShdw>
+                </a:effectLst>
+                <a:latin typeface="Arial" pitchFamily="34" charset="0"/>
+                <a:cs typeface="Arial" pitchFamily="34" charset="0"/>
+              </a:rPr>
+              <a:t>Parte Documental e Programador:</a:t>
+            </a:r>
+            <a:endParaRPr lang="pt-BR" sz="2400" b="1" dirty="0" smtClean="0">
+              <a:ln w="19050">
+                <a:solidFill>
+                  <a:schemeClr val="bg1"/>
+                </a:solidFill>
+                <a:prstDash val="solid"/>
+              </a:ln>
+              <a:effectLst>
+                <a:outerShdw blurRad="50000" dist="50800" dir="7500000" algn="tl">
+                  <a:srgbClr val="000000">
+                    <a:shade val="5000"/>
+                    <a:alpha val="35000"/>
+                  </a:srgbClr>
+                </a:outerShdw>
+              </a:effectLst>
+              <a:latin typeface="Arial" pitchFamily="34" charset="0"/>
+              <a:cs typeface="Arial" pitchFamily="34" charset="0"/>
+            </a:endParaRPr>
+          </a:p>
+          <a:p>
+            <a:pPr algn="ctr"/>
+            <a:r>
+              <a:rPr lang="pt-BR" sz="2400" b="1" dirty="0" smtClean="0">
+                <a:ln w="19050">
+                  <a:solidFill>
+                    <a:schemeClr val="bg1"/>
+                  </a:solidFill>
+                  <a:prstDash val="solid"/>
+                </a:ln>
+                <a:effectLst>
+                  <a:outerShdw blurRad="50000" dist="50800" dir="7500000" algn="tl">
+                    <a:srgbClr val="000000">
+                      <a:shade val="5000"/>
+                      <a:alpha val="35000"/>
+                    </a:srgbClr>
+                  </a:outerShdw>
+                </a:effectLst>
+                <a:latin typeface="Arial" pitchFamily="34" charset="0"/>
+                <a:cs typeface="Arial" pitchFamily="34" charset="0"/>
+              </a:rPr>
+              <a:t>Nelson José Barnabé </a:t>
+            </a:r>
+            <a:r>
+              <a:rPr lang="pt-BR" sz="2400" b="1" dirty="0" smtClean="0">
+                <a:ln w="19050">
+                  <a:solidFill>
+                    <a:schemeClr val="bg1"/>
+                  </a:solidFill>
+                  <a:prstDash val="solid"/>
+                </a:ln>
+                <a:effectLst>
+                  <a:outerShdw blurRad="50000" dist="50800" dir="7500000" algn="tl">
+                    <a:srgbClr val="000000">
+                      <a:shade val="5000"/>
+                      <a:alpha val="35000"/>
+                    </a:srgbClr>
+                  </a:outerShdw>
+                </a:effectLst>
+                <a:latin typeface="Arial" pitchFamily="34" charset="0"/>
+                <a:cs typeface="Arial" pitchFamily="34" charset="0"/>
+              </a:rPr>
+              <a:t>Junior</a:t>
+            </a:r>
+          </a:p>
+          <a:p>
+            <a:pPr algn="ctr"/>
+            <a:endParaRPr lang="pt-BR" sz="2400" b="1" dirty="0" smtClean="0">
+              <a:ln w="19050">
+                <a:solidFill>
+                  <a:schemeClr val="bg1"/>
+                </a:solidFill>
+                <a:prstDash val="solid"/>
+              </a:ln>
+              <a:effectLst>
+                <a:outerShdw blurRad="50000" dist="50800" dir="7500000" algn="tl">
+                  <a:srgbClr val="000000">
+                    <a:shade val="5000"/>
+                    <a:alpha val="35000"/>
+                  </a:srgbClr>
+                </a:outerShdw>
+              </a:effectLst>
+              <a:latin typeface="Arial" pitchFamily="34" charset="0"/>
+              <a:cs typeface="Arial" pitchFamily="34" charset="0"/>
+            </a:endParaRPr>
+          </a:p>
+          <a:p>
+            <a:pPr algn="ctr"/>
+            <a:r>
+              <a:rPr lang="pt-BR" sz="2400" b="1" dirty="0" smtClean="0">
+                <a:ln w="19050">
+                  <a:solidFill>
+                    <a:schemeClr val="bg1"/>
+                  </a:solidFill>
+                  <a:prstDash val="solid"/>
+                </a:ln>
+                <a:effectLst>
+                  <a:outerShdw blurRad="50000" dist="50800" dir="7500000" algn="tl">
+                    <a:srgbClr val="000000">
+                      <a:shade val="5000"/>
+                      <a:alpha val="35000"/>
+                    </a:srgbClr>
+                  </a:outerShdw>
+                </a:effectLst>
+                <a:latin typeface="Arial" pitchFamily="34" charset="0"/>
+                <a:cs typeface="Arial" pitchFamily="34" charset="0"/>
+              </a:rPr>
+              <a:t>Analista e Parte Documental:</a:t>
+            </a:r>
+            <a:endParaRPr lang="pt-BR" sz="2400" b="1" dirty="0" smtClean="0">
+              <a:ln w="19050">
+                <a:solidFill>
+                  <a:schemeClr val="bg1"/>
+                </a:solidFill>
+                <a:prstDash val="solid"/>
+              </a:ln>
+              <a:effectLst>
+                <a:outerShdw blurRad="50000" dist="50800" dir="7500000" algn="tl">
+                  <a:srgbClr val="000000">
+                    <a:shade val="5000"/>
+                    <a:alpha val="35000"/>
+                  </a:srgbClr>
+                </a:outerShdw>
+              </a:effectLst>
+              <a:latin typeface="Arial" pitchFamily="34" charset="0"/>
+              <a:cs typeface="Arial" pitchFamily="34" charset="0"/>
+            </a:endParaRPr>
+          </a:p>
+          <a:p>
+            <a:pPr algn="ctr"/>
+            <a:r>
+              <a:rPr lang="pt-BR" sz="2400" b="1" dirty="0" smtClean="0">
+                <a:ln w="19050">
+                  <a:solidFill>
+                    <a:schemeClr val="bg1"/>
+                  </a:solidFill>
+                  <a:prstDash val="solid"/>
+                </a:ln>
+                <a:effectLst>
+                  <a:outerShdw blurRad="50000" dist="50800" dir="7500000" algn="tl">
+                    <a:srgbClr val="000000">
+                      <a:shade val="5000"/>
+                      <a:alpha val="35000"/>
+                    </a:srgbClr>
+                  </a:outerShdw>
+                </a:effectLst>
+                <a:latin typeface="Arial" pitchFamily="34" charset="0"/>
+                <a:cs typeface="Arial" pitchFamily="34" charset="0"/>
+              </a:rPr>
+              <a:t>Nilton Augusto Muniz </a:t>
+            </a:r>
+            <a:r>
+              <a:rPr lang="pt-BR" sz="2400" b="1" dirty="0" smtClean="0">
+                <a:ln w="19050">
+                  <a:solidFill>
+                    <a:schemeClr val="bg1"/>
+                  </a:solidFill>
+                  <a:prstDash val="solid"/>
+                </a:ln>
+                <a:effectLst>
+                  <a:outerShdw blurRad="50000" dist="50800" dir="7500000" algn="tl">
+                    <a:srgbClr val="000000">
+                      <a:shade val="5000"/>
+                      <a:alpha val="35000"/>
+                    </a:srgbClr>
+                  </a:outerShdw>
+                </a:effectLst>
+                <a:latin typeface="Arial" pitchFamily="34" charset="0"/>
+                <a:cs typeface="Arial" pitchFamily="34" charset="0"/>
+              </a:rPr>
+              <a:t>Junior</a:t>
+            </a:r>
+          </a:p>
+          <a:p>
+            <a:pPr algn="ctr"/>
+            <a:endParaRPr lang="pt-BR" sz="2400" b="1" dirty="0" smtClean="0">
+              <a:ln w="19050">
+                <a:solidFill>
+                  <a:schemeClr val="bg1"/>
+                </a:solidFill>
+                <a:prstDash val="solid"/>
+              </a:ln>
+              <a:effectLst>
+                <a:outerShdw blurRad="50000" dist="50800" dir="7500000" algn="tl">
+                  <a:srgbClr val="000000">
+                    <a:shade val="5000"/>
+                    <a:alpha val="35000"/>
+                  </a:srgbClr>
+                </a:outerShdw>
+              </a:effectLst>
+              <a:latin typeface="Arial" pitchFamily="34" charset="0"/>
+              <a:cs typeface="Arial" pitchFamily="34" charset="0"/>
+            </a:endParaRPr>
+          </a:p>
+          <a:p>
+            <a:pPr algn="ctr"/>
+            <a:r>
+              <a:rPr lang="pt-BR" sz="2400" b="1" dirty="0" smtClean="0">
+                <a:ln w="19050">
+                  <a:solidFill>
+                    <a:schemeClr val="bg1"/>
+                  </a:solidFill>
+                  <a:prstDash val="solid"/>
+                </a:ln>
+                <a:effectLst>
+                  <a:outerShdw blurRad="50000" dist="50800" dir="7500000" algn="tl">
+                    <a:srgbClr val="000000">
+                      <a:shade val="5000"/>
+                      <a:alpha val="35000"/>
+                    </a:srgbClr>
+                  </a:outerShdw>
+                </a:effectLst>
+                <a:latin typeface="Arial" pitchFamily="34" charset="0"/>
+                <a:cs typeface="Arial" pitchFamily="34" charset="0"/>
+              </a:rPr>
+              <a:t>Designer:</a:t>
+            </a:r>
+            <a:endParaRPr lang="pt-BR" sz="2400" b="1" dirty="0" smtClean="0">
+              <a:ln w="19050">
+                <a:solidFill>
+                  <a:schemeClr val="bg1"/>
+                </a:solidFill>
+                <a:prstDash val="solid"/>
+              </a:ln>
+              <a:effectLst>
+                <a:outerShdw blurRad="50000" dist="50800" dir="7500000" algn="tl">
+                  <a:srgbClr val="000000">
+                    <a:shade val="5000"/>
+                    <a:alpha val="35000"/>
+                  </a:srgbClr>
+                </a:outerShdw>
+              </a:effectLst>
+              <a:latin typeface="Arial" pitchFamily="34" charset="0"/>
+              <a:cs typeface="Arial" pitchFamily="34" charset="0"/>
+            </a:endParaRPr>
+          </a:p>
+          <a:p>
+            <a:pPr algn="ctr"/>
+            <a:r>
+              <a:rPr lang="pt-BR" sz="2400" b="1" dirty="0" smtClean="0">
                 <a:ln w="19050">
                   <a:solidFill>
                     <a:schemeClr val="bg1"/>
@@ -4032,7 +4488,7 @@
               </a:rPr>
               <a:t>Tiago Nunes Teixeira</a:t>
             </a:r>
-            <a:endParaRPr lang="pt-BR" b="1" dirty="0">
+            <a:endParaRPr lang="pt-BR" sz="2400" b="1" dirty="0">
               <a:ln w="19050">
                 <a:solidFill>
                   <a:schemeClr val="bg1"/>
@@ -4053,36 +4509,14 @@
           </a:p>
         </p:txBody>
       </p:sp>
-      <p:pic>
-        <p:nvPicPr>
-          <p:cNvPr id="4" name="Espaço Reservado para Conteúdo 3" descr="unip.png"/>
-          <p:cNvPicPr>
-            <a:picLocks noChangeAspect="1"/>
-          </p:cNvPicPr>
-          <p:nvPr/>
-        </p:nvPicPr>
-        <p:blipFill>
-          <a:blip r:embed="rId2" cstate="print"/>
-          <a:stretch>
-            <a:fillRect/>
-          </a:stretch>
-        </p:blipFill>
-        <p:spPr>
-          <a:xfrm>
-            <a:off x="0" y="6109556"/>
-            <a:ext cx="2357304" cy="748444"/>
-          </a:xfrm>
-          <a:prstGeom prst="rect">
-            <a:avLst/>
-          </a:prstGeom>
-        </p:spPr>
-      </p:pic>
     </p:spTree>
   </p:cSld>
   <p:clrMapOvr>
     <a:masterClrMapping/>
   </p:clrMapOvr>
-  <p:transition advTm="2094"/>
+  <p:transition advTm="0">
+    <p:dissolve/>
+  </p:transition>
   <p:timing>
     <p:tnLst>
       <p:par>
@@ -4281,7 +4715,9 @@
   <p:clrMapOvr>
     <a:masterClrMapping/>
   </p:clrMapOvr>
-  <p:transition advTm="2062"/>
+  <p:transition advTm="10094">
+    <p:split dir="in"/>
+  </p:transition>
   <p:timing>
     <p:tnLst>
       <p:par>
@@ -4573,7 +5009,9 @@
   <p:clrMapOvr>
     <a:masterClrMapping/>
   </p:clrMapOvr>
-  <p:transition advTm="2329"/>
+  <p:transition advTm="10015">
+    <p:split dir="in"/>
+  </p:transition>
   <p:timing>
     <p:tnLst>
       <p:par>
@@ -4615,7 +5053,7 @@
           <a:blip r:embed="rId2">
             <a:extLst>
               <a:ext uri="{28A0092B-C50C-407E-A947-70E740481C1C}">
-                <a14:useLocalDpi xmlns="" xmlns:wpc="http://schemas.microsoft.com/office/word/2010/wordprocessingCanvas" xmlns:cx="http://schemas.microsoft.com/office/drawing/2014/chartex" xmlns:cx1="http://schemas.microsoft.com/office/drawing/2015/9/8/chartex" xmlns:cx2="http://schemas.microsoft.com/office/drawing/2015/10/21/chartex" xmlns:cx3="http://schemas.microsoft.com/office/drawing/2016/5/9/chartex" xmlns:cx4="http://schemas.microsoft.com/office/drawing/2016/5/10/chartex" xmlns:cx5="http://schemas.microsoft.com/office/drawing/2016/5/11/chartex" xmlns:cx6="http://schemas.microsoft.com/office/drawing/2016/5/12/chartex" xmlns:cx7="http://schemas.microsoft.com/office/drawing/2016/5/13/chartex" xmlns:cx8="http://schemas.microsoft.com/office/drawing/2016/5/14/chartex" xmlns:mc="http://schemas.openxmlformats.org/markup-compatibility/2006" xmlns:aink="http://schemas.microsoft.com/office/drawing/2016/ink" xmlns:am3d="http://schemas.microsoft.com/office/drawing/2017/model3d" xmlns:o="urn:schemas-microsoft-com:office:office" xmlns:m="http://schemas.openxmlformats.org/officeDocument/2006/math" xmlns:v="urn:schemas-microsoft-com:vml" xmlns:wp14="http://schemas.microsoft.com/office/word/2010/wordprocessingDrawing" xmlns:wp="http://schemas.openxmlformats.org/drawingml/2006/wordprocessingDrawing" xmlns:w10="urn:schemas-microsoft-com:office:word" xmlns:w="http://schemas.openxmlformats.org/wordprocessingml/2006/main" xmlns:w14="http://schemas.microsoft.com/office/word/2010/wordml" xmlns:w15="http://schemas.microsoft.com/office/word/2012/wordml" xmlns:w16cid="http://schemas.microsoft.com/office/word/2016/wordml/cid" xmlns:w16se="http://schemas.microsoft.com/office/word/2015/wordml/symex" xmlns:wpg="http://schemas.microsoft.com/office/word/2010/wordprocessingGroup" xmlns:wpi="http://schemas.microsoft.com/office/word/2010/wordprocessingInk" xmlns:wne="http://schemas.microsoft.com/office/word/2006/wordml" xmlns:wps="http://schemas.microsoft.com/office/word/2010/wordprocessingShape" xmlns:a14="http://schemas.microsoft.com/office/drawing/2010/main" xmlns:pic="http://schemas.openxmlformats.org/drawingml/2006/picture" xmlns:lc="http://schemas.openxmlformats.org/drawingml/2006/lockedCanvas" val="0"/>
+                <a14:useLocalDpi xmlns:lc="http://schemas.openxmlformats.org/drawingml/2006/lockedCanvas" xmlns:pic="http://schemas.openxmlformats.org/drawingml/2006/picture" xmlns:a14="http://schemas.microsoft.com/office/drawing/2010/main" xmlns:wps="http://schemas.microsoft.com/office/word/2010/wordprocessingShape" xmlns:wne="http://schemas.microsoft.com/office/word/2006/wordml" xmlns:wpi="http://schemas.microsoft.com/office/word/2010/wordprocessingInk" xmlns:wpg="http://schemas.microsoft.com/office/word/2010/wordprocessingGroup" xmlns:w16se="http://schemas.microsoft.com/office/word/2015/wordml/symex" xmlns:w16cid="http://schemas.microsoft.com/office/word/2016/wordml/cid" xmlns:w15="http://schemas.microsoft.com/office/word/2012/wordml" xmlns:w14="http://schemas.microsoft.com/office/word/2010/wordml" xmlns:w="http://schemas.openxmlformats.org/wordprocessingml/2006/main" xmlns:w10="urn:schemas-microsoft-com:office:word" xmlns:wp="http://schemas.openxmlformats.org/drawingml/2006/wordprocessingDrawing" xmlns:wp14="http://schemas.microsoft.com/office/word/2010/wordprocessingDrawing" xmlns:v="urn:schemas-microsoft-com:vml" xmlns:m="http://schemas.openxmlformats.org/officeDocument/2006/math" xmlns:o="urn:schemas-microsoft-com:office:office" xmlns:am3d="http://schemas.microsoft.com/office/drawing/2017/model3d" xmlns:aink="http://schemas.microsoft.com/office/drawing/2016/ink" xmlns:mc="http://schemas.openxmlformats.org/markup-compatibility/2006" xmlns:cx8="http://schemas.microsoft.com/office/drawing/2016/5/14/chartex" xmlns:cx7="http://schemas.microsoft.com/office/drawing/2016/5/13/chartex" xmlns:cx6="http://schemas.microsoft.com/office/drawing/2016/5/12/chartex" xmlns:cx5="http://schemas.microsoft.com/office/drawing/2016/5/11/chartex" xmlns:cx4="http://schemas.microsoft.com/office/drawing/2016/5/10/chartex" xmlns:cx3="http://schemas.microsoft.com/office/drawing/2016/5/9/chartex" xmlns:cx2="http://schemas.microsoft.com/office/drawing/2015/10/21/chartex" xmlns:cx1="http://schemas.microsoft.com/office/drawing/2015/9/8/chartex" xmlns:cx="http://schemas.microsoft.com/office/drawing/2014/chartex" xmlns:wpc="http://schemas.microsoft.com/office/word/2010/wordprocessingCanvas" xmlns="" val="0"/>
               </a:ext>
             </a:extLst>
           </a:blip>
@@ -4851,7 +5289,9 @@
   <p:clrMapOvr>
     <a:masterClrMapping/>
   </p:clrMapOvr>
-  <p:transition advTm="1953"/>
+  <p:transition advTm="19938">
+    <p:split dir="in"/>
+  </p:transition>
   <p:timing>
     <p:tnLst>
       <p:par>
@@ -4929,7 +5369,7 @@
         <p:spPr>
           <a:xfrm>
             <a:off x="214282" y="1214422"/>
-            <a:ext cx="5214974" cy="4786346"/>
+            <a:ext cx="5214974" cy="4714908"/>
           </a:xfrm>
           <a:prstGeom prst="rect">
             <a:avLst/>
@@ -5094,7 +5534,9 @@
   <p:clrMapOvr>
     <a:masterClrMapping/>
   </p:clrMapOvr>
-  <p:transition advTm="2078"/>
+  <p:transition advTm="20000">
+    <p:split dir="in"/>
+  </p:transition>
   <p:timing>
     <p:tnLst>
       <p:par>
@@ -5337,7 +5779,9 @@
   <p:clrMapOvr>
     <a:masterClrMapping/>
   </p:clrMapOvr>
-  <p:transition advTm="1938"/>
+  <p:transition advTm="20015">
+    <p:split dir="in"/>
+  </p:transition>
   <p:timing>
     <p:tnLst>
       <p:par>
@@ -5580,7 +6024,9 @@
   <p:clrMapOvr>
     <a:masterClrMapping/>
   </p:clrMapOvr>
-  <p:transition advTm="2078"/>
+  <p:transition advTm="20063">
+    <p:split dir="in"/>
+  </p:transition>
   <p:timing>
     <p:tnLst>
       <p:par>
@@ -5657,7 +6103,7 @@
         </p:blipFill>
         <p:spPr>
           <a:xfrm>
-            <a:off x="214282" y="1071546"/>
+            <a:off x="285720" y="928670"/>
             <a:ext cx="5214974" cy="5000660"/>
           </a:xfrm>
           <a:prstGeom prst="rect">
@@ -5701,7 +6147,7 @@
         <p:spPr>
           <a:xfrm>
             <a:off x="4643438" y="1000108"/>
-            <a:ext cx="4500561" cy="5143536"/>
+            <a:ext cx="4500561" cy="4929222"/>
           </a:xfrm>
           <a:prstGeom prst="rect">
             <a:avLst/>
@@ -5825,7 +6271,9 @@
   <p:clrMapOvr>
     <a:masterClrMapping/>
   </p:clrMapOvr>
-  <p:transition advTm="1938"/>
+  <p:transition advTm="20593">
+    <p:split dir="in"/>
+  </p:transition>
   <p:timing>
     <p:tnLst>
       <p:par>
@@ -5952,7 +6400,9 @@
   <p:clrMapOvr>
     <a:masterClrMapping/>
   </p:clrMapOvr>
-  <p:transition advTm="0"/>
+  <p:transition advTm="20172">
+    <p:split dir="in"/>
+  </p:transition>
   <p:timing>
     <p:tnLst>
       <p:par>
